--- a/Later/Super/Super_1/Java Accessing Superclass Members.pptx
+++ b/Later/Super/Super_1/Java Accessing Superclass Members.pptx
@@ -4086,7 +4086,6 @@
               <a:rPr lang="en-US" sz="1000" dirty="0"/>
               <a:t>. </a:t>
             </a:r>
-            <a:endParaRPr lang="en-US" sz="1000" dirty="0"/>
           </a:p>
         </p:txBody>
       </p:sp>
@@ -4146,7 +4145,6 @@
               <a:rPr lang="en-US" sz="1000" dirty="0"/>
               <a:t> to refer to a hidden field (although hiding fields is discouraged). </a:t>
             </a:r>
-            <a:endParaRPr lang="en-US" sz="1000" dirty="0"/>
           </a:p>
         </p:txBody>
       </p:sp>
